--- a/卡常.pptx
+++ b/卡常.pptx
@@ -5334,7 +5334,7 @@
         </p:nvSpPr>
         <p:spPr bwMode="auto">
           <a:xfrm>
-            <a:off x="9083233" y="7713108"/>
+            <a:off x="9083233" y="7713107"/>
             <a:ext cx="254988" cy="365795"/>
           </a:xfrm>
         </p:spPr>
@@ -5381,7 +5381,7 @@
         </p:nvSpPr>
         <p:spPr bwMode="auto">
           <a:xfrm>
-            <a:off x="11366212" y="7713108"/>
+            <a:off x="11366212" y="7713107"/>
             <a:ext cx="254988" cy="365795"/>
           </a:xfrm>
         </p:spPr>
@@ -6132,7 +6132,7 @@
         </p:nvSpPr>
         <p:spPr bwMode="auto">
           <a:xfrm>
-            <a:off x="9083233" y="7713108"/>
+            <a:off x="9083233" y="7713107"/>
             <a:ext cx="254988" cy="365795"/>
           </a:xfrm>
         </p:spPr>
@@ -6157,7 +6157,7 @@
         </p:nvSpPr>
         <p:spPr bwMode="auto">
           <a:xfrm>
-            <a:off x="11366212" y="7713108"/>
+            <a:off x="11366212" y="7713107"/>
             <a:ext cx="254988" cy="365795"/>
           </a:xfrm>
         </p:spPr>
@@ -6981,7 +6981,7 @@
         </p:nvSpPr>
         <p:spPr bwMode="auto">
           <a:xfrm>
-            <a:off x="9083233" y="7713108"/>
+            <a:off x="9083233" y="7713107"/>
             <a:ext cx="254988" cy="365795"/>
           </a:xfrm>
         </p:spPr>
@@ -7006,7 +7006,7 @@
         </p:nvSpPr>
         <p:spPr bwMode="auto">
           <a:xfrm>
-            <a:off x="11366212" y="7713108"/>
+            <a:off x="11366212" y="7713107"/>
             <a:ext cx="254988" cy="365795"/>
           </a:xfrm>
         </p:spPr>
@@ -7662,7 +7662,7 @@
         </p:nvSpPr>
         <p:spPr bwMode="auto">
           <a:xfrm>
-            <a:off x="9083233" y="7713108"/>
+            <a:off x="9083233" y="7713107"/>
             <a:ext cx="254988" cy="365795"/>
           </a:xfrm>
         </p:spPr>
@@ -7687,7 +7687,7 @@
         </p:nvSpPr>
         <p:spPr bwMode="auto">
           <a:xfrm>
-            <a:off x="11366212" y="7713108"/>
+            <a:off x="11366212" y="7713107"/>
             <a:ext cx="254988" cy="365795"/>
           </a:xfrm>
         </p:spPr>
@@ -7899,28 +7899,6 @@
           </a:p>
         </p:txBody>
       </p:sp>
-      <p:pic>
-        <p:nvPicPr>
-          <p:cNvPr id="156480628" name="" hidden="0"/>
-          <p:cNvPicPr>
-            <a:picLocks noChangeAspect="1"/>
-          </p:cNvPicPr>
-          <p:nvPr isPhoto="0" userDrawn="0"/>
-        </p:nvPicPr>
-        <p:blipFill>
-          <a:blip r:embed="rId3"/>
-          <a:stretch/>
-        </p:blipFill>
-        <p:spPr bwMode="auto">
-          <a:xfrm>
-            <a:off x="2149034" y="4805889"/>
-            <a:ext cx="8439149" cy="1800225"/>
-          </a:xfrm>
-          <a:prstGeom prst="rect">
-            <a:avLst/>
-          </a:prstGeom>
-        </p:spPr>
-      </p:pic>
       <p:sp>
         <p:nvSpPr>
           <p:cNvPr id="255698111" name="Объект 2" hidden="0"/>
@@ -8151,13 +8129,60 @@
           <p:nvPr isPhoto="0" userDrawn="0"/>
         </p:nvPicPr>
         <p:blipFill>
+          <a:blip r:embed="rId3"/>
+          <a:stretch/>
+        </p:blipFill>
+        <p:spPr bwMode="auto">
+          <a:xfrm>
+            <a:off x="7010399" y="3497385"/>
+            <a:ext cx="3952874" cy="1028700"/>
+          </a:xfrm>
+          <a:prstGeom prst="rect">
+            <a:avLst/>
+          </a:prstGeom>
+        </p:spPr>
+      </p:pic>
+      <p:sp>
+        <p:nvSpPr>
+          <p:cNvPr id="1407074669" name="" hidden="0"/>
+          <p:cNvSpPr/>
+          <p:nvPr isPhoto="0" userDrawn="0"/>
+        </p:nvSpPr>
+        <p:spPr bwMode="auto">
+          <a:xfrm>
+            <a:off x="7517632" y="7981488"/>
+            <a:ext cx="254916" cy="365795"/>
+          </a:xfrm>
+        </p:spPr>
+        <p:txBody>
+          <a:bodyPr rot="0" spcFirstLastPara="0" vertOverflow="overflow" horzOverflow="clip" vert="horz" wrap="square" lIns="91440" tIns="45720" rIns="91440" bIns="45720" numCol="1" spcCol="0" rtlCol="0" fromWordArt="0" anchor="t" anchorCtr="0" forceAA="0" upright="0" compatLnSpc="1">
+            <a:prstTxWarp prst="textNoShape"/>
+            <a:spAutoFit/>
+          </a:bodyPr>
+          <a:p>
+            <a:pPr>
+              <a:defRPr/>
+            </a:pPr>
+            <a:endParaRPr/>
+          </a:p>
+        </p:txBody>
+      </p:sp>
+      <p:pic>
+        <p:nvPicPr>
+          <p:cNvPr id="900988656" name="" hidden="0"/>
+          <p:cNvPicPr>
+            <a:picLocks noChangeAspect="1"/>
+          </p:cNvPicPr>
+          <p:nvPr isPhoto="0" userDrawn="0"/>
+        </p:nvPicPr>
+        <p:blipFill>
           <a:blip r:embed="rId4"/>
           <a:stretch/>
         </p:blipFill>
         <p:spPr bwMode="auto">
           <a:xfrm>
-            <a:off x="7010399" y="3497385"/>
-            <a:ext cx="3952874" cy="1028700"/>
+            <a:off x="1736365" y="4689648"/>
+            <a:ext cx="8115300" cy="1571625"/>
           </a:xfrm>
           <a:prstGeom prst="rect">
             <a:avLst/>
@@ -8703,7 +8728,7 @@
         </p:nvSpPr>
         <p:spPr bwMode="auto">
           <a:xfrm>
-            <a:off x="9083233" y="7713108"/>
+            <a:off x="9083233" y="7713107"/>
             <a:ext cx="254988" cy="365795"/>
           </a:xfrm>
         </p:spPr>
@@ -8728,7 +8753,7 @@
         </p:nvSpPr>
         <p:spPr bwMode="auto">
           <a:xfrm>
-            <a:off x="11366212" y="7713108"/>
+            <a:off x="11366212" y="7713107"/>
             <a:ext cx="254988" cy="365795"/>
           </a:xfrm>
         </p:spPr>
@@ -9550,7 +9575,7 @@
         </p:nvSpPr>
         <p:spPr bwMode="auto">
           <a:xfrm>
-            <a:off x="9083233" y="7713108"/>
+            <a:off x="9083233" y="7713107"/>
             <a:ext cx="254988" cy="365795"/>
           </a:xfrm>
         </p:spPr>
@@ -9575,7 +9600,7 @@
         </p:nvSpPr>
         <p:spPr bwMode="auto">
           <a:xfrm>
-            <a:off x="11366212" y="7713108"/>
+            <a:off x="11366212" y="7713107"/>
             <a:ext cx="254988" cy="365795"/>
           </a:xfrm>
         </p:spPr>
@@ -9887,7 +9912,7 @@
         </p:nvSpPr>
         <p:spPr bwMode="auto">
           <a:xfrm>
-            <a:off x="12584637" y="7460550"/>
+            <a:off x="12584636" y="7460550"/>
             <a:ext cx="254988" cy="365795"/>
           </a:xfrm>
         </p:spPr>
@@ -10465,7 +10490,7 @@
         </p:nvSpPr>
         <p:spPr bwMode="auto">
           <a:xfrm>
-            <a:off x="9083233" y="7713108"/>
+            <a:off x="9083233" y="7713107"/>
             <a:ext cx="254988" cy="365795"/>
           </a:xfrm>
         </p:spPr>
@@ -10490,7 +10515,7 @@
         </p:nvSpPr>
         <p:spPr bwMode="auto">
           <a:xfrm>
-            <a:off x="11366212" y="7713108"/>
+            <a:off x="11366212" y="7713107"/>
             <a:ext cx="254988" cy="365795"/>
           </a:xfrm>
         </p:spPr>
@@ -10780,7 +10805,7 @@
         </p:nvSpPr>
         <p:spPr bwMode="auto">
           <a:xfrm>
-            <a:off x="12584637" y="7460550"/>
+            <a:off x="12584636" y="7460550"/>
             <a:ext cx="254988" cy="365795"/>
           </a:xfrm>
         </p:spPr>
@@ -11041,9 +11066,34 @@
           </a:p>
         </p:txBody>
       </p:sp>
+      <p:sp>
+        <p:nvSpPr>
+          <p:cNvPr id="464004390" name="" hidden="0"/>
+          <p:cNvSpPr/>
+          <p:nvPr isPhoto="0" userDrawn="0"/>
+        </p:nvSpPr>
+        <p:spPr bwMode="auto">
+          <a:xfrm flipH="0" flipV="0">
+            <a:off x="7997130" y="7957233"/>
+            <a:ext cx="214683" cy="281233"/>
+          </a:xfrm>
+        </p:spPr>
+        <p:txBody>
+          <a:bodyPr rot="0" spcFirstLastPara="0" vertOverflow="overflow" horzOverflow="clip" vert="horz" wrap="square" lIns="91440" tIns="45720" rIns="91440" bIns="45720" numCol="1" spcCol="0" rtlCol="0" fromWordArt="0" anchor="t" anchorCtr="0" forceAA="0" upright="0" compatLnSpc="1">
+            <a:prstTxWarp prst="textNoShape"/>
+            <a:noAutofit/>
+          </a:bodyPr>
+          <a:p>
+            <a:pPr>
+              <a:defRPr/>
+            </a:pPr>
+            <a:endParaRPr/>
+          </a:p>
+        </p:txBody>
+      </p:sp>
       <p:pic>
         <p:nvPicPr>
-          <p:cNvPr id="1419600882" name="" hidden="0"/>
+          <p:cNvPr id="1739705881" name="" hidden="0"/>
           <p:cNvPicPr>
             <a:picLocks noChangeAspect="1"/>
           </p:cNvPicPr>
@@ -11054,9 +11104,9 @@
           <a:stretch/>
         </p:blipFill>
         <p:spPr bwMode="auto">
-          <a:xfrm rot="0" flipH="0" flipV="0">
-            <a:off x="3629136" y="4571360"/>
-            <a:ext cx="3380400" cy="2293200"/>
+          <a:xfrm flipH="0" flipV="0">
+            <a:off x="2200284" y="4665393"/>
+            <a:ext cx="3593730" cy="2141799"/>
           </a:xfrm>
           <a:prstGeom prst="rect">
             <a:avLst/>
@@ -11602,7 +11652,7 @@
         </p:nvSpPr>
         <p:spPr bwMode="auto">
           <a:xfrm>
-            <a:off x="9083233" y="7713108"/>
+            <a:off x="9083233" y="7713107"/>
             <a:ext cx="254988" cy="365795"/>
           </a:xfrm>
         </p:spPr>
@@ -11917,7 +11967,7 @@
         </p:nvSpPr>
         <p:spPr bwMode="auto">
           <a:xfrm>
-            <a:off x="12584637" y="7460550"/>
+            <a:off x="12584636" y="7460550"/>
             <a:ext cx="254988" cy="365795"/>
           </a:xfrm>
         </p:spPr>
@@ -12592,7 +12642,7 @@
         </p:nvSpPr>
         <p:spPr bwMode="auto">
           <a:xfrm>
-            <a:off x="9083233" y="7713108"/>
+            <a:off x="9083233" y="7713107"/>
             <a:ext cx="254988" cy="365795"/>
           </a:xfrm>
         </p:spPr>
@@ -12617,7 +12667,7 @@
         </p:nvSpPr>
         <p:spPr bwMode="auto">
           <a:xfrm>
-            <a:off x="11366212" y="7713108"/>
+            <a:off x="11366212" y="7713107"/>
             <a:ext cx="254988" cy="365795"/>
           </a:xfrm>
         </p:spPr>
@@ -12997,7 +13047,7 @@
         </p:nvSpPr>
         <p:spPr bwMode="auto">
           <a:xfrm>
-            <a:off x="12584637" y="7460550"/>
+            <a:off x="12584636" y="7460550"/>
             <a:ext cx="254988" cy="365795"/>
           </a:xfrm>
         </p:spPr>
@@ -14094,7 +14144,7 @@
         </p:nvSpPr>
         <p:spPr bwMode="auto">
           <a:xfrm>
-            <a:off x="9083233" y="7713108"/>
+            <a:off x="9083233" y="7713107"/>
             <a:ext cx="254988" cy="365795"/>
           </a:xfrm>
         </p:spPr>
@@ -14119,7 +14169,7 @@
         </p:nvSpPr>
         <p:spPr bwMode="auto">
           <a:xfrm>
-            <a:off x="11366212" y="7713108"/>
+            <a:off x="11366212" y="7713107"/>
             <a:ext cx="254988" cy="365795"/>
           </a:xfrm>
         </p:spPr>
@@ -14441,7 +14491,7 @@
         </p:nvSpPr>
         <p:spPr bwMode="auto">
           <a:xfrm>
-            <a:off x="12584637" y="7460550"/>
+            <a:off x="12584636" y="7460550"/>
             <a:ext cx="254988" cy="365795"/>
           </a:xfrm>
         </p:spPr>
@@ -14549,7 +14599,7 @@
           <a:graphicData uri="http://schemas.openxmlformats.org/drawingml/2006/table">
             <a:tbl>
               <a:tblPr firstRow="1" firstCol="0" lastRow="0" lastCol="0" bandRow="1" bandCol="0">
-                <a:tableStyleId>{352CA555-F5E1-9CF6-1936-D8817F585A91}</a:tableStyleId>
+                <a:tableStyleId>{153A22C9-55D3-8BD4-3C8A-222BB48640C1}</a:tableStyleId>
               </a:tblPr>
               <a:tblGrid>
                 <a:gridCol w="2271599"/>
@@ -15302,7 +15352,7 @@
         </p:nvSpPr>
         <p:spPr bwMode="auto">
           <a:xfrm>
-            <a:off x="9083233" y="7713108"/>
+            <a:off x="9083233" y="7713107"/>
             <a:ext cx="254988" cy="365795"/>
           </a:xfrm>
         </p:spPr>
@@ -15327,7 +15377,7 @@
         </p:nvSpPr>
         <p:spPr bwMode="auto">
           <a:xfrm>
-            <a:off x="11366212" y="7713108"/>
+            <a:off x="11366212" y="7713107"/>
             <a:ext cx="254988" cy="365795"/>
           </a:xfrm>
         </p:spPr>
@@ -15629,7 +15679,7 @@
         </p:nvSpPr>
         <p:spPr bwMode="auto">
           <a:xfrm>
-            <a:off x="12584637" y="7460550"/>
+            <a:off x="12584636" y="7460550"/>
             <a:ext cx="254988" cy="365795"/>
           </a:xfrm>
         </p:spPr>
@@ -16307,7 +16357,7 @@
         </p:nvSpPr>
         <p:spPr bwMode="auto">
           <a:xfrm>
-            <a:off x="9083233" y="7713108"/>
+            <a:off x="9083233" y="7713107"/>
             <a:ext cx="254988" cy="365795"/>
           </a:xfrm>
         </p:spPr>
@@ -16332,7 +16382,7 @@
         </p:nvSpPr>
         <p:spPr bwMode="auto">
           <a:xfrm>
-            <a:off x="11366212" y="7713108"/>
+            <a:off x="11366212" y="7713107"/>
             <a:ext cx="254988" cy="365795"/>
           </a:xfrm>
         </p:spPr>
@@ -16529,7 +16579,7 @@
             </a:pPr>
             <a:r>
               <a:rPr sz="2400"/>
-              <a:t>支持查询x元素是否在栈中</a:t>
+              <a:t>支持查询x(1,10000)元素是否在栈中</a:t>
             </a:r>
             <a:endParaRPr sz="2400"/>
           </a:p>
@@ -16679,7 +16729,7 @@
         </p:nvSpPr>
         <p:spPr bwMode="auto">
           <a:xfrm>
-            <a:off x="12584637" y="7460550"/>
+            <a:off x="12584636" y="7460550"/>
             <a:ext cx="254988" cy="365795"/>
           </a:xfrm>
         </p:spPr>

--- a/卡常.pptx
+++ b/卡常.pptx
@@ -11074,7 +11074,7 @@
         </p:nvSpPr>
         <p:spPr bwMode="auto">
           <a:xfrm flipH="0" flipV="0">
-            <a:off x="7997130" y="7957233"/>
+            <a:off x="7997130" y="7957232"/>
             <a:ext cx="214683" cy="281233"/>
           </a:xfrm>
         </p:spPr>
@@ -12034,28 +12034,6 @@
           </a:p>
         </p:txBody>
       </p:sp>
-      <p:pic>
-        <p:nvPicPr>
-          <p:cNvPr id="1337365239" name="" hidden="0"/>
-          <p:cNvPicPr>
-            <a:picLocks noChangeAspect="1"/>
-          </p:cNvPicPr>
-          <p:nvPr isPhoto="0" userDrawn="0"/>
-        </p:nvPicPr>
-        <p:blipFill>
-          <a:blip r:embed="rId3"/>
-          <a:stretch/>
-        </p:blipFill>
-        <p:spPr bwMode="auto">
-          <a:xfrm>
-            <a:off x="6616078" y="1691482"/>
-            <a:ext cx="5010149" cy="4343400"/>
-          </a:xfrm>
-          <a:prstGeom prst="rect">
-            <a:avLst/>
-          </a:prstGeom>
-        </p:spPr>
-      </p:pic>
       <p:sp>
         <p:nvSpPr>
           <p:cNvPr id="1180711944" name="" hidden="0"/>
@@ -12090,13 +12068,60 @@
           <p:nvPr isPhoto="0" userDrawn="0"/>
         </p:nvPicPr>
         <p:blipFill>
+          <a:blip r:embed="rId3"/>
+          <a:stretch/>
+        </p:blipFill>
+        <p:spPr bwMode="auto">
+          <a:xfrm>
+            <a:off x="2324117" y="4666327"/>
+            <a:ext cx="4286250" cy="1371600"/>
+          </a:xfrm>
+          <a:prstGeom prst="rect">
+            <a:avLst/>
+          </a:prstGeom>
+        </p:spPr>
+      </p:pic>
+      <p:sp>
+        <p:nvSpPr>
+          <p:cNvPr id="1823630527" name="" hidden="0"/>
+          <p:cNvSpPr/>
+          <p:nvPr isPhoto="0" userDrawn="0"/>
+        </p:nvSpPr>
+        <p:spPr bwMode="auto">
+          <a:xfrm>
+            <a:off x="12600846" y="5253066"/>
+            <a:ext cx="254916" cy="365795"/>
+          </a:xfrm>
+        </p:spPr>
+        <p:txBody>
+          <a:bodyPr rot="0" spcFirstLastPara="0" vertOverflow="overflow" horzOverflow="clip" vert="horz" wrap="square" lIns="91440" tIns="45720" rIns="91440" bIns="45720" numCol="1" spcCol="0" rtlCol="0" fromWordArt="0" anchor="t" anchorCtr="0" forceAA="0" upright="0" compatLnSpc="1">
+            <a:prstTxWarp prst="textNoShape"/>
+            <a:spAutoFit/>
+          </a:bodyPr>
+          <a:p>
+            <a:pPr>
+              <a:defRPr/>
+            </a:pPr>
+            <a:endParaRPr/>
+          </a:p>
+        </p:txBody>
+      </p:sp>
+      <p:pic>
+        <p:nvPicPr>
+          <p:cNvPr id="991836407" name="" hidden="0"/>
+          <p:cNvPicPr>
+            <a:picLocks noChangeAspect="1"/>
+          </p:cNvPicPr>
+          <p:nvPr isPhoto="0" userDrawn="0"/>
+        </p:nvPicPr>
+        <p:blipFill>
           <a:blip r:embed="rId4"/>
           <a:stretch/>
         </p:blipFill>
         <p:spPr bwMode="auto">
           <a:xfrm>
-            <a:off x="2324117" y="4666327"/>
-            <a:ext cx="4286250" cy="1371600"/>
+            <a:off x="6632286" y="1961226"/>
+            <a:ext cx="4733924" cy="4076699"/>
           </a:xfrm>
           <a:prstGeom prst="rect">
             <a:avLst/>
@@ -14599,7 +14624,7 @@
           <a:graphicData uri="http://schemas.openxmlformats.org/drawingml/2006/table">
             <a:tbl>
               <a:tblPr firstRow="1" firstCol="0" lastRow="0" lastCol="0" bandRow="1" bandCol="0">
-                <a:tableStyleId>{153A22C9-55D3-8BD4-3C8A-222BB48640C1}</a:tableStyleId>
+                <a:tableStyleId>{499B69CD-764E-AC2E-DA40-B95161394711}</a:tableStyleId>
               </a:tblPr>
               <a:tblGrid>
                 <a:gridCol w="2271599"/>
